--- a/MySQLi/SQL-MySQLi/MySql - Jay Amin/SQL.pptx
+++ b/MySQLi/SQL-MySQLi/MySql - Jay Amin/SQL.pptx
@@ -252,7 +252,7 @@
           <a:p>
             <a:fld id="{3C749A83-4AA7-4787-8788-40B6125E36CB}" type="datetimeFigureOut">
               <a:rPr lang="en-US" smtClean="0"/>
-              <a:t>3/12/2018</a:t>
+              <a:t>17-Dec-22</a:t>
             </a:fld>
             <a:endParaRPr lang="en-US"/>
           </a:p>
@@ -422,7 +422,7 @@
           <a:p>
             <a:fld id="{3C749A83-4AA7-4787-8788-40B6125E36CB}" type="datetimeFigureOut">
               <a:rPr lang="en-US" smtClean="0"/>
-              <a:t>3/12/2018</a:t>
+              <a:t>17-Dec-22</a:t>
             </a:fld>
             <a:endParaRPr lang="en-US"/>
           </a:p>
@@ -602,7 +602,7 @@
           <a:p>
             <a:fld id="{3C749A83-4AA7-4787-8788-40B6125E36CB}" type="datetimeFigureOut">
               <a:rPr lang="en-US" smtClean="0"/>
-              <a:t>3/12/2018</a:t>
+              <a:t>17-Dec-22</a:t>
             </a:fld>
             <a:endParaRPr lang="en-US"/>
           </a:p>
@@ -772,7 +772,7 @@
           <a:p>
             <a:fld id="{3C749A83-4AA7-4787-8788-40B6125E36CB}" type="datetimeFigureOut">
               <a:rPr lang="en-US" smtClean="0"/>
-              <a:t>3/12/2018</a:t>
+              <a:t>17-Dec-22</a:t>
             </a:fld>
             <a:endParaRPr lang="en-US"/>
           </a:p>
@@ -1018,7 +1018,7 @@
           <a:p>
             <a:fld id="{3C749A83-4AA7-4787-8788-40B6125E36CB}" type="datetimeFigureOut">
               <a:rPr lang="en-US" smtClean="0"/>
-              <a:t>3/12/2018</a:t>
+              <a:t>17-Dec-22</a:t>
             </a:fld>
             <a:endParaRPr lang="en-US"/>
           </a:p>
@@ -1250,7 +1250,7 @@
           <a:p>
             <a:fld id="{3C749A83-4AA7-4787-8788-40B6125E36CB}" type="datetimeFigureOut">
               <a:rPr lang="en-US" smtClean="0"/>
-              <a:t>3/12/2018</a:t>
+              <a:t>17-Dec-22</a:t>
             </a:fld>
             <a:endParaRPr lang="en-US"/>
           </a:p>
@@ -1617,7 +1617,7 @@
           <a:p>
             <a:fld id="{3C749A83-4AA7-4787-8788-40B6125E36CB}" type="datetimeFigureOut">
               <a:rPr lang="en-US" smtClean="0"/>
-              <a:t>3/12/2018</a:t>
+              <a:t>17-Dec-22</a:t>
             </a:fld>
             <a:endParaRPr lang="en-US"/>
           </a:p>
@@ -1735,7 +1735,7 @@
           <a:p>
             <a:fld id="{3C749A83-4AA7-4787-8788-40B6125E36CB}" type="datetimeFigureOut">
               <a:rPr lang="en-US" smtClean="0"/>
-              <a:t>3/12/2018</a:t>
+              <a:t>17-Dec-22</a:t>
             </a:fld>
             <a:endParaRPr lang="en-US"/>
           </a:p>
@@ -1830,7 +1830,7 @@
           <a:p>
             <a:fld id="{3C749A83-4AA7-4787-8788-40B6125E36CB}" type="datetimeFigureOut">
               <a:rPr lang="en-US" smtClean="0"/>
-              <a:t>3/12/2018</a:t>
+              <a:t>17-Dec-22</a:t>
             </a:fld>
             <a:endParaRPr lang="en-US"/>
           </a:p>
@@ -2107,7 +2107,7 @@
           <a:p>
             <a:fld id="{3C749A83-4AA7-4787-8788-40B6125E36CB}" type="datetimeFigureOut">
               <a:rPr lang="en-US" smtClean="0"/>
-              <a:t>3/12/2018</a:t>
+              <a:t>17-Dec-22</a:t>
             </a:fld>
             <a:endParaRPr lang="en-US"/>
           </a:p>
@@ -2360,7 +2360,7 @@
           <a:p>
             <a:fld id="{3C749A83-4AA7-4787-8788-40B6125E36CB}" type="datetimeFigureOut">
               <a:rPr lang="en-US" smtClean="0"/>
-              <a:t>3/12/2018</a:t>
+              <a:t>17-Dec-22</a:t>
             </a:fld>
             <a:endParaRPr lang="en-US"/>
           </a:p>
@@ -2573,7 +2573,7 @@
           <a:p>
             <a:fld id="{3C749A83-4AA7-4787-8788-40B6125E36CB}" type="datetimeFigureOut">
               <a:rPr lang="en-US" smtClean="0"/>
-              <a:t>3/12/2018</a:t>
+              <a:t>17-Dec-22</a:t>
             </a:fld>
             <a:endParaRPr lang="en-US"/>
           </a:p>
@@ -3728,104 +3728,889 @@
             <p:ph idx="1"/>
           </p:nvPr>
         </p:nvSpPr>
-        <p:spPr/>
+        <p:spPr>
+          <a:xfrm>
+            <a:off x="838200" y="1568450"/>
+            <a:ext cx="10515600" cy="4351338"/>
+          </a:xfrm>
+        </p:spPr>
         <p:txBody>
           <a:bodyPr>
-            <a:normAutofit fontScale="85000" lnSpcReduction="20000"/>
+            <a:normAutofit lnSpcReduction="10000"/>
           </a:bodyPr>
           <a:lstStyle/>
           <a:p>
-            <a:r>
-              <a:rPr lang="en-US" dirty="0"/>
-              <a:t>DELIMITER //</a:t>
-            </a:r>
-          </a:p>
-          <a:p>
-            <a:r>
-              <a:rPr lang="en-US" dirty="0"/>
-              <a:t>CREATE FUNCTION </a:t>
-            </a:r>
-            <a:r>
-              <a:rPr lang="en-US" dirty="0" err="1"/>
+            <a:pPr marL="0" lvl="0" indent="0" eaLnBrk="0" fontAlgn="base" hangingPunct="0">
+              <a:lnSpc>
+                <a:spcPct val="100000"/>
+              </a:lnSpc>
+              <a:spcBef>
+                <a:spcPct val="0"/>
+              </a:spcBef>
+              <a:spcAft>
+                <a:spcPct val="0"/>
+              </a:spcAft>
+              <a:buNone/>
+            </a:pPr>
+            <a:r>
+              <a:rPr lang="en-US" sz="2000" dirty="0">
+                <a:solidFill>
+                  <a:srgbClr val="333333"/>
+                </a:solidFill>
+                <a:latin typeface="Menlo"/>
+              </a:rPr>
+              <a:t>DELIMITER // CREATE FUNCTION </a:t>
+            </a:r>
+            <a:r>
+              <a:rPr lang="en-US" sz="2000" dirty="0" err="1">
+                <a:solidFill>
+                  <a:srgbClr val="333333"/>
+                </a:solidFill>
+                <a:latin typeface="Menlo"/>
+              </a:rPr>
               <a:t>CalcIncome</a:t>
             </a:r>
             <a:r>
-              <a:rPr lang="en-US" dirty="0"/>
+              <a:rPr lang="en-US" sz="2000" dirty="0">
+                <a:solidFill>
+                  <a:srgbClr val="333333"/>
+                </a:solidFill>
+                <a:latin typeface="Menlo"/>
+              </a:rPr>
               <a:t> ( </a:t>
             </a:r>
             <a:r>
-              <a:rPr lang="en-US" dirty="0" err="1"/>
+              <a:rPr lang="en-US" sz="2000" dirty="0" err="1">
+                <a:solidFill>
+                  <a:srgbClr val="333333"/>
+                </a:solidFill>
+                <a:latin typeface="Menlo"/>
+              </a:rPr>
               <a:t>starting_value</a:t>
             </a:r>
             <a:r>
-              <a:rPr lang="en-US" dirty="0"/>
-              <a:t> INT )</a:t>
-            </a:r>
-          </a:p>
-          <a:p>
-            <a:r>
-              <a:rPr lang="en-US" dirty="0"/>
-              <a:t>RETURNS INT</a:t>
-            </a:r>
-          </a:p>
-          <a:p>
-            <a:r>
-              <a:rPr lang="en-US" dirty="0"/>
-              <a:t>BEGIN</a:t>
-            </a:r>
-          </a:p>
-          <a:p>
-            <a:r>
-              <a:rPr lang="en-US" dirty="0"/>
-              <a:t>   DECLARE income INT;</a:t>
-            </a:r>
-          </a:p>
-          <a:p>
-            <a:r>
-              <a:rPr lang="en-US" dirty="0"/>
-              <a:t>   SET income = </a:t>
-            </a:r>
-            <a:r>
-              <a:rPr lang="en-US" dirty="0" smtClean="0"/>
-              <a:t>1000;</a:t>
-            </a:r>
-            <a:endParaRPr lang="en-US" dirty="0"/>
-          </a:p>
-          <a:p>
-            <a:r>
-              <a:rPr lang="en-US" dirty="0"/>
-              <a:t>     SET income = income + </a:t>
-            </a:r>
-            <a:r>
-              <a:rPr lang="en-US" dirty="0" err="1"/>
+              <a:rPr lang="en-US" sz="2000" dirty="0">
+                <a:solidFill>
+                  <a:srgbClr val="333333"/>
+                </a:solidFill>
+                <a:latin typeface="Menlo"/>
+              </a:rPr>
+              <a:t> INT ) </a:t>
+            </a:r>
+            <a:endParaRPr lang="en-US" sz="2000" dirty="0" smtClean="0">
+              <a:solidFill>
+                <a:srgbClr val="333333"/>
+              </a:solidFill>
+              <a:latin typeface="Menlo"/>
+            </a:endParaRPr>
+          </a:p>
+          <a:p>
+            <a:pPr marL="0" lvl="0" indent="0" eaLnBrk="0" fontAlgn="base" hangingPunct="0">
+              <a:lnSpc>
+                <a:spcPct val="100000"/>
+              </a:lnSpc>
+              <a:spcBef>
+                <a:spcPct val="0"/>
+              </a:spcBef>
+              <a:spcAft>
+                <a:spcPct val="0"/>
+              </a:spcAft>
+              <a:buNone/>
+            </a:pPr>
+            <a:r>
+              <a:rPr lang="en-US" sz="2000" dirty="0" smtClean="0">
+                <a:solidFill>
+                  <a:srgbClr val="333333"/>
+                </a:solidFill>
+                <a:latin typeface="Menlo"/>
+              </a:rPr>
+              <a:t>RETURNS </a:t>
+            </a:r>
+            <a:r>
+              <a:rPr lang="en-US" sz="2000" dirty="0">
+                <a:solidFill>
+                  <a:srgbClr val="333333"/>
+                </a:solidFill>
+                <a:latin typeface="Menlo"/>
+              </a:rPr>
+              <a:t>INT </a:t>
+            </a:r>
+            <a:endParaRPr lang="en-US" sz="2000" dirty="0" smtClean="0">
+              <a:solidFill>
+                <a:srgbClr val="333333"/>
+              </a:solidFill>
+              <a:latin typeface="Menlo"/>
+            </a:endParaRPr>
+          </a:p>
+          <a:p>
+            <a:pPr marL="0" lvl="0" indent="0" eaLnBrk="0" fontAlgn="base" hangingPunct="0">
+              <a:lnSpc>
+                <a:spcPct val="100000"/>
+              </a:lnSpc>
+              <a:spcBef>
+                <a:spcPct val="0"/>
+              </a:spcBef>
+              <a:spcAft>
+                <a:spcPct val="0"/>
+              </a:spcAft>
+              <a:buNone/>
+            </a:pPr>
+            <a:r>
+              <a:rPr lang="en-US" sz="2000" dirty="0" smtClean="0">
+                <a:solidFill>
+                  <a:srgbClr val="333333"/>
+                </a:solidFill>
+                <a:latin typeface="Menlo"/>
+              </a:rPr>
+              <a:t>BEGIN </a:t>
+            </a:r>
+          </a:p>
+          <a:p>
+            <a:pPr marL="0" lvl="0" indent="0" eaLnBrk="0" fontAlgn="base" hangingPunct="0">
+              <a:lnSpc>
+                <a:spcPct val="100000"/>
+              </a:lnSpc>
+              <a:spcBef>
+                <a:spcPct val="0"/>
+              </a:spcBef>
+              <a:spcAft>
+                <a:spcPct val="0"/>
+              </a:spcAft>
+              <a:buNone/>
+            </a:pPr>
+            <a:r>
+              <a:rPr lang="en-US" sz="2000" dirty="0" smtClean="0">
+                <a:solidFill>
+                  <a:srgbClr val="333333"/>
+                </a:solidFill>
+                <a:latin typeface="Menlo"/>
+              </a:rPr>
+              <a:t>DECLARE </a:t>
+            </a:r>
+            <a:r>
+              <a:rPr lang="en-US" sz="2000" dirty="0">
+                <a:solidFill>
+                  <a:srgbClr val="333333"/>
+                </a:solidFill>
+                <a:latin typeface="Menlo"/>
+              </a:rPr>
+              <a:t>income INT</a:t>
+            </a:r>
+            <a:r>
+              <a:rPr lang="en-US" sz="2000" dirty="0" smtClean="0">
+                <a:solidFill>
+                  <a:srgbClr val="333333"/>
+                </a:solidFill>
+                <a:latin typeface="Menlo"/>
+              </a:rPr>
+              <a:t>;</a:t>
+            </a:r>
+          </a:p>
+          <a:p>
+            <a:pPr marL="0" lvl="0" indent="0" eaLnBrk="0" fontAlgn="base" hangingPunct="0">
+              <a:lnSpc>
+                <a:spcPct val="100000"/>
+              </a:lnSpc>
+              <a:spcBef>
+                <a:spcPct val="0"/>
+              </a:spcBef>
+              <a:spcAft>
+                <a:spcPct val="0"/>
+              </a:spcAft>
+              <a:buNone/>
+            </a:pPr>
+            <a:r>
+              <a:rPr lang="en-US" sz="2000" dirty="0" smtClean="0">
+                <a:solidFill>
+                  <a:srgbClr val="333333"/>
+                </a:solidFill>
+                <a:latin typeface="Menlo"/>
+              </a:rPr>
+              <a:t>SET </a:t>
+            </a:r>
+            <a:r>
+              <a:rPr lang="en-US" sz="2000" dirty="0">
+                <a:solidFill>
+                  <a:srgbClr val="333333"/>
+                </a:solidFill>
+                <a:latin typeface="Menlo"/>
+              </a:rPr>
+              <a:t>income = 0; </a:t>
+            </a:r>
+            <a:endParaRPr lang="en-US" sz="2000" dirty="0" smtClean="0">
+              <a:solidFill>
+                <a:srgbClr val="333333"/>
+              </a:solidFill>
+              <a:latin typeface="Menlo"/>
+            </a:endParaRPr>
+          </a:p>
+          <a:p>
+            <a:pPr marL="0" lvl="0" indent="0" eaLnBrk="0" fontAlgn="base" hangingPunct="0">
+              <a:lnSpc>
+                <a:spcPct val="100000"/>
+              </a:lnSpc>
+              <a:spcBef>
+                <a:spcPct val="0"/>
+              </a:spcBef>
+              <a:spcAft>
+                <a:spcPct val="0"/>
+              </a:spcAft>
+              <a:buNone/>
+            </a:pPr>
+            <a:r>
+              <a:rPr lang="en-US" sz="2000" dirty="0" smtClean="0">
+                <a:solidFill>
+                  <a:srgbClr val="333333"/>
+                </a:solidFill>
+                <a:latin typeface="Menlo"/>
+              </a:rPr>
+              <a:t>	label1</a:t>
+            </a:r>
+            <a:r>
+              <a:rPr lang="en-US" sz="2000" dirty="0">
+                <a:solidFill>
+                  <a:srgbClr val="333333"/>
+                </a:solidFill>
+                <a:latin typeface="Menlo"/>
+              </a:rPr>
+              <a:t>: WHILE income &lt;= 3000 DO </a:t>
+            </a:r>
+            <a:endParaRPr lang="en-US" sz="2000" dirty="0" smtClean="0">
+              <a:solidFill>
+                <a:srgbClr val="333333"/>
+              </a:solidFill>
+              <a:latin typeface="Menlo"/>
+            </a:endParaRPr>
+          </a:p>
+          <a:p>
+            <a:pPr marL="0" lvl="0" indent="0" eaLnBrk="0" fontAlgn="base" hangingPunct="0">
+              <a:lnSpc>
+                <a:spcPct val="100000"/>
+              </a:lnSpc>
+              <a:spcBef>
+                <a:spcPct val="0"/>
+              </a:spcBef>
+              <a:spcAft>
+                <a:spcPct val="0"/>
+              </a:spcAft>
+              <a:buNone/>
+            </a:pPr>
+            <a:r>
+              <a:rPr lang="en-US" sz="2000" dirty="0">
+                <a:solidFill>
+                  <a:srgbClr val="333333"/>
+                </a:solidFill>
+                <a:latin typeface="Menlo"/>
+              </a:rPr>
+              <a:t>	</a:t>
+            </a:r>
+            <a:r>
+              <a:rPr lang="en-US" sz="2000" dirty="0" smtClean="0">
+                <a:solidFill>
+                  <a:srgbClr val="333333"/>
+                </a:solidFill>
+                <a:latin typeface="Menlo"/>
+              </a:rPr>
+              <a:t>	SET </a:t>
+            </a:r>
+            <a:r>
+              <a:rPr lang="en-US" sz="2000" dirty="0">
+                <a:solidFill>
+                  <a:srgbClr val="333333"/>
+                </a:solidFill>
+                <a:latin typeface="Menlo"/>
+              </a:rPr>
+              <a:t>income = income + </a:t>
+            </a:r>
+            <a:r>
+              <a:rPr lang="en-US" sz="2000" dirty="0" err="1">
+                <a:solidFill>
+                  <a:srgbClr val="333333"/>
+                </a:solidFill>
+                <a:latin typeface="Menlo"/>
+              </a:rPr>
               <a:t>starting_value</a:t>
             </a:r>
             <a:r>
-              <a:rPr lang="en-US" smtClean="0"/>
-              <a:t>;</a:t>
-            </a:r>
-            <a:endParaRPr lang="en-US" dirty="0"/>
-          </a:p>
-          <a:p>
-            <a:r>
-              <a:rPr lang="en-US" dirty="0"/>
-              <a:t>   RETURN income;</a:t>
-            </a:r>
-          </a:p>
-          <a:p>
-            <a:r>
-              <a:rPr lang="en-US" dirty="0"/>
-              <a:t>END; //</a:t>
-            </a:r>
-          </a:p>
-          <a:p>
-            <a:endParaRPr lang="en-US" dirty="0"/>
-          </a:p>
-          <a:p>
-            <a:r>
-              <a:rPr lang="en-US" dirty="0"/>
+              <a:rPr lang="en-US" sz="2000" dirty="0">
+                <a:solidFill>
+                  <a:srgbClr val="333333"/>
+                </a:solidFill>
+                <a:latin typeface="Menlo"/>
+              </a:rPr>
+              <a:t>; </a:t>
+            </a:r>
+            <a:endParaRPr lang="en-US" sz="2000" dirty="0" smtClean="0">
+              <a:solidFill>
+                <a:srgbClr val="333333"/>
+              </a:solidFill>
+              <a:latin typeface="Menlo"/>
+            </a:endParaRPr>
+          </a:p>
+          <a:p>
+            <a:pPr marL="0" lvl="0" indent="0" eaLnBrk="0" fontAlgn="base" hangingPunct="0">
+              <a:lnSpc>
+                <a:spcPct val="100000"/>
+              </a:lnSpc>
+              <a:spcBef>
+                <a:spcPct val="0"/>
+              </a:spcBef>
+              <a:spcAft>
+                <a:spcPct val="0"/>
+              </a:spcAft>
+              <a:buNone/>
+            </a:pPr>
+            <a:r>
+              <a:rPr lang="en-US" sz="2000" dirty="0">
+                <a:solidFill>
+                  <a:srgbClr val="333333"/>
+                </a:solidFill>
+                <a:latin typeface="Menlo"/>
+              </a:rPr>
+              <a:t>	</a:t>
+            </a:r>
+            <a:r>
+              <a:rPr lang="en-US" sz="2000" dirty="0" smtClean="0">
+                <a:solidFill>
+                  <a:srgbClr val="333333"/>
+                </a:solidFill>
+                <a:latin typeface="Menlo"/>
+              </a:rPr>
+              <a:t>END </a:t>
+            </a:r>
+            <a:r>
+              <a:rPr lang="en-US" sz="2000" dirty="0">
+                <a:solidFill>
+                  <a:srgbClr val="333333"/>
+                </a:solidFill>
+                <a:latin typeface="Menlo"/>
+              </a:rPr>
+              <a:t>WHILE label1; </a:t>
+            </a:r>
+            <a:endParaRPr lang="en-US" sz="2000" dirty="0" smtClean="0">
+              <a:solidFill>
+                <a:srgbClr val="333333"/>
+              </a:solidFill>
+              <a:latin typeface="Menlo"/>
+            </a:endParaRPr>
+          </a:p>
+          <a:p>
+            <a:pPr marL="0" lvl="0" indent="0" eaLnBrk="0" fontAlgn="base" hangingPunct="0">
+              <a:lnSpc>
+                <a:spcPct val="100000"/>
+              </a:lnSpc>
+              <a:spcBef>
+                <a:spcPct val="0"/>
+              </a:spcBef>
+              <a:spcAft>
+                <a:spcPct val="0"/>
+              </a:spcAft>
+              <a:buNone/>
+            </a:pPr>
+            <a:r>
+              <a:rPr lang="en-US" sz="2000" dirty="0" smtClean="0">
+                <a:solidFill>
+                  <a:srgbClr val="333333"/>
+                </a:solidFill>
+                <a:latin typeface="Menlo"/>
+              </a:rPr>
+              <a:t>RETURN </a:t>
+            </a:r>
+            <a:r>
+              <a:rPr lang="en-US" sz="2000" dirty="0">
+                <a:solidFill>
+                  <a:srgbClr val="333333"/>
+                </a:solidFill>
+                <a:latin typeface="Menlo"/>
+              </a:rPr>
+              <a:t>income; </a:t>
+            </a:r>
+            <a:endParaRPr lang="en-US" sz="2000" dirty="0" smtClean="0">
+              <a:solidFill>
+                <a:srgbClr val="333333"/>
+              </a:solidFill>
+              <a:latin typeface="Menlo"/>
+            </a:endParaRPr>
+          </a:p>
+          <a:p>
+            <a:pPr marL="0" lvl="0" indent="0" eaLnBrk="0" fontAlgn="base" hangingPunct="0">
+              <a:lnSpc>
+                <a:spcPct val="100000"/>
+              </a:lnSpc>
+              <a:spcBef>
+                <a:spcPct val="0"/>
+              </a:spcBef>
+              <a:spcAft>
+                <a:spcPct val="0"/>
+              </a:spcAft>
+              <a:buNone/>
+            </a:pPr>
+            <a:r>
+              <a:rPr lang="en-US" sz="2000" dirty="0" smtClean="0">
+                <a:solidFill>
+                  <a:srgbClr val="333333"/>
+                </a:solidFill>
+                <a:latin typeface="Menlo"/>
+              </a:rPr>
+              <a:t>END</a:t>
+            </a:r>
+            <a:r>
+              <a:rPr lang="en-US" sz="2000" dirty="0">
+                <a:solidFill>
+                  <a:srgbClr val="333333"/>
+                </a:solidFill>
+                <a:latin typeface="Menlo"/>
+              </a:rPr>
+              <a:t>; </a:t>
+            </a:r>
+            <a:endParaRPr lang="en-US" sz="2000" dirty="0" smtClean="0">
+              <a:solidFill>
+                <a:srgbClr val="333333"/>
+              </a:solidFill>
+              <a:latin typeface="Menlo"/>
+            </a:endParaRPr>
+          </a:p>
+          <a:p>
+            <a:pPr marL="0" lvl="0" indent="0" eaLnBrk="0" fontAlgn="base" hangingPunct="0">
+              <a:lnSpc>
+                <a:spcPct val="100000"/>
+              </a:lnSpc>
+              <a:spcBef>
+                <a:spcPct val="0"/>
+              </a:spcBef>
+              <a:spcAft>
+                <a:spcPct val="0"/>
+              </a:spcAft>
+              <a:buNone/>
+            </a:pPr>
+            <a:r>
+              <a:rPr lang="en-US" sz="2000" dirty="0" smtClean="0">
+                <a:solidFill>
+                  <a:srgbClr val="333333"/>
+                </a:solidFill>
+                <a:latin typeface="Menlo"/>
+              </a:rPr>
+              <a:t>// </a:t>
+            </a:r>
+            <a:r>
+              <a:rPr lang="en-US" sz="2000" dirty="0">
+                <a:solidFill>
+                  <a:srgbClr val="333333"/>
+                </a:solidFill>
+                <a:latin typeface="Menlo"/>
+              </a:rPr>
               <a:t>DELIMITER ;</a:t>
             </a:r>
+            <a:r>
+              <a:rPr lang="en-US" sz="2000" dirty="0"/>
+              <a:t> </a:t>
+            </a:r>
+            <a:endParaRPr lang="en-US" sz="2000" dirty="0" smtClean="0"/>
+          </a:p>
+          <a:p>
+            <a:pPr marL="0" lvl="0" indent="0" eaLnBrk="0" fontAlgn="base" hangingPunct="0">
+              <a:lnSpc>
+                <a:spcPct val="100000"/>
+              </a:lnSpc>
+              <a:spcBef>
+                <a:spcPct val="0"/>
+              </a:spcBef>
+              <a:spcAft>
+                <a:spcPct val="0"/>
+              </a:spcAft>
+              <a:buNone/>
+            </a:pPr>
+            <a:endParaRPr lang="en-US" sz="2000" dirty="0" smtClean="0">
+              <a:latin typeface="Arial" panose="020B0604020202020204" pitchFamily="34" charset="0"/>
+            </a:endParaRPr>
+          </a:p>
+          <a:p>
+            <a:pPr marL="0" lvl="0" indent="0" eaLnBrk="0" fontAlgn="base" hangingPunct="0">
+              <a:lnSpc>
+                <a:spcPct val="100000"/>
+              </a:lnSpc>
+              <a:spcBef>
+                <a:spcPct val="0"/>
+              </a:spcBef>
+              <a:spcAft>
+                <a:spcPct val="0"/>
+              </a:spcAft>
+              <a:buNone/>
+            </a:pPr>
+            <a:endParaRPr lang="en-US" sz="2000" dirty="0">
+              <a:latin typeface="Arial" panose="020B0604020202020204" pitchFamily="34" charset="0"/>
+            </a:endParaRPr>
+          </a:p>
+          <a:p>
+            <a:pPr marL="0" indent="0" eaLnBrk="0" fontAlgn="base" hangingPunct="0">
+              <a:lnSpc>
+                <a:spcPct val="100000"/>
+              </a:lnSpc>
+              <a:spcBef>
+                <a:spcPct val="0"/>
+              </a:spcBef>
+              <a:spcAft>
+                <a:spcPct val="0"/>
+              </a:spcAft>
+              <a:buNone/>
+            </a:pPr>
+            <a:r>
+              <a:rPr lang="en-US" sz="2000" dirty="0">
+                <a:solidFill>
+                  <a:srgbClr val="333333"/>
+                </a:solidFill>
+                <a:latin typeface="Menlo"/>
+              </a:rPr>
+              <a:t>SELECT </a:t>
+            </a:r>
+            <a:r>
+              <a:rPr lang="en-US" sz="2000" dirty="0" err="1">
+                <a:solidFill>
+                  <a:srgbClr val="333333"/>
+                </a:solidFill>
+                <a:latin typeface="Menlo"/>
+              </a:rPr>
+              <a:t>CalcIncome</a:t>
+            </a:r>
+            <a:r>
+              <a:rPr lang="en-US" sz="2000" dirty="0">
+                <a:solidFill>
+                  <a:srgbClr val="333333"/>
+                </a:solidFill>
+                <a:latin typeface="Menlo"/>
+              </a:rPr>
+              <a:t> (1000</a:t>
+            </a:r>
+            <a:r>
+              <a:rPr lang="en-US" sz="2000" dirty="0" smtClean="0">
+                <a:solidFill>
+                  <a:srgbClr val="333333"/>
+                </a:solidFill>
+                <a:latin typeface="Menlo"/>
+              </a:rPr>
+              <a:t>);</a:t>
+            </a:r>
+            <a:endParaRPr lang="en-US" sz="2000" dirty="0" smtClean="0">
+              <a:latin typeface="Arial" panose="020B0604020202020204" pitchFamily="34" charset="0"/>
+            </a:endParaRPr>
+          </a:p>
+        </p:txBody>
+      </p:sp>
+      <p:sp>
+        <p:nvSpPr>
+          <p:cNvPr id="4" name="Rectangle 1"/>
+          <p:cNvSpPr>
+            <a:spLocks noChangeArrowheads="1"/>
+          </p:cNvSpPr>
+          <p:nvPr/>
+        </p:nvSpPr>
+        <p:spPr bwMode="auto">
+          <a:xfrm>
+            <a:off x="0" y="40423"/>
+            <a:ext cx="65" cy="376354"/>
+          </a:xfrm>
+          <a:prstGeom prst="rect">
+            <a:avLst/>
+          </a:prstGeom>
+          <a:solidFill>
+            <a:srgbClr val="EFF1F9"/>
+          </a:solidFill>
+          <a:ln>
+            <a:noFill/>
+          </a:ln>
+          <a:effectLst/>
+          <a:extLst>
+            <a:ext uri="{91240B29-F687-4F45-9708-019B960494DF}">
+              <a14:hiddenLine xmlns:a14="http://schemas.microsoft.com/office/drawing/2010/main" w="9525">
+                <a:solidFill>
+                  <a:schemeClr val="tx1"/>
+                </a:solidFill>
+                <a:miter lim="800000"/>
+                <a:headEnd/>
+                <a:tailEnd/>
+              </a14:hiddenLine>
+            </a:ext>
+            <a:ext uri="{AF507438-7753-43E0-B8FC-AC1667EBCBE1}">
+              <a14:hiddenEffects xmlns:a14="http://schemas.microsoft.com/office/drawing/2010/main">
+                <a:effectLst>
+                  <a:outerShdw dist="35921" dir="2700000" algn="ctr" rotWithShape="0">
+                    <a:schemeClr val="bg2"/>
+                  </a:outerShdw>
+                </a:effectLst>
+              </a14:hiddenEffects>
+            </a:ext>
+          </a:extLst>
+        </p:spPr>
+        <p:txBody>
+          <a:bodyPr vert="horz" wrap="none" lIns="0" tIns="0" rIns="0" bIns="98394" numCol="1" anchor="ctr" anchorCtr="0" compatLnSpc="1">
+            <a:prstTxWarp prst="textNoShape">
+              <a:avLst/>
+            </a:prstTxWarp>
+            <a:spAutoFit/>
+          </a:bodyPr>
+          <a:lstStyle/>
+          <a:p>
+            <a:pPr marL="0" marR="0" lvl="0" indent="0" algn="l" defTabSz="914400" rtl="0" eaLnBrk="0" fontAlgn="base" latinLnBrk="0" hangingPunct="0">
+              <a:lnSpc>
+                <a:spcPct val="100000"/>
+              </a:lnSpc>
+              <a:spcBef>
+                <a:spcPct val="0"/>
+              </a:spcBef>
+              <a:spcAft>
+                <a:spcPct val="0"/>
+              </a:spcAft>
+              <a:buClrTx/>
+              <a:buSzTx/>
+              <a:buFontTx/>
+              <a:buNone/>
+              <a:tabLst/>
+            </a:pPr>
+            <a:endParaRPr kumimoji="0" lang="en-US" sz="1800" b="0" i="0" u="none" strike="noStrike" cap="none" normalizeH="0" baseline="0" dirty="0" smtClean="0">
+              <a:ln>
+                <a:noFill/>
+              </a:ln>
+              <a:solidFill>
+                <a:schemeClr val="tx1"/>
+              </a:solidFill>
+              <a:effectLst/>
+              <a:latin typeface="Arial" panose="020B0604020202020204" pitchFamily="34" charset="0"/>
+            </a:endParaRPr>
+          </a:p>
+        </p:txBody>
+      </p:sp>
+      <p:sp>
+        <p:nvSpPr>
+          <p:cNvPr id="5" name="Rectangle 2"/>
+          <p:cNvSpPr>
+            <a:spLocks noChangeArrowheads="1"/>
+          </p:cNvSpPr>
+          <p:nvPr/>
+        </p:nvSpPr>
+        <p:spPr bwMode="auto">
+          <a:xfrm>
+            <a:off x="0" y="-51910"/>
+            <a:ext cx="65" cy="561020"/>
+          </a:xfrm>
+          <a:prstGeom prst="rect">
+            <a:avLst/>
+          </a:prstGeom>
+          <a:solidFill>
+            <a:srgbClr val="EFF1F9"/>
+          </a:solidFill>
+          <a:ln>
+            <a:noFill/>
+          </a:ln>
+          <a:effectLst/>
+          <a:extLst>
+            <a:ext uri="{91240B29-F687-4F45-9708-019B960494DF}">
+              <a14:hiddenLine xmlns:a14="http://schemas.microsoft.com/office/drawing/2010/main" w="9525">
+                <a:solidFill>
+                  <a:schemeClr val="tx1"/>
+                </a:solidFill>
+                <a:miter lim="800000"/>
+                <a:headEnd/>
+                <a:tailEnd/>
+              </a14:hiddenLine>
+            </a:ext>
+            <a:ext uri="{AF507438-7753-43E0-B8FC-AC1667EBCBE1}">
+              <a14:hiddenEffects xmlns:a14="http://schemas.microsoft.com/office/drawing/2010/main">
+                <a:effectLst>
+                  <a:outerShdw dist="35921" dir="2700000" algn="ctr" rotWithShape="0">
+                    <a:schemeClr val="bg2"/>
+                  </a:outerShdw>
+                </a:effectLst>
+              </a14:hiddenEffects>
+            </a:ext>
+          </a:extLst>
+        </p:spPr>
+        <p:txBody>
+          <a:bodyPr vert="horz" wrap="none" lIns="0" tIns="0" rIns="0" bIns="98394" numCol="1" anchor="ctr" anchorCtr="0" compatLnSpc="1">
+            <a:prstTxWarp prst="textNoShape">
+              <a:avLst/>
+            </a:prstTxWarp>
+            <a:spAutoFit/>
+          </a:bodyPr>
+          <a:lstStyle>
+            <a:lvl1pPr eaLnBrk="0" fontAlgn="base" hangingPunct="0">
+              <a:spcBef>
+                <a:spcPct val="0"/>
+              </a:spcBef>
+              <a:spcAft>
+                <a:spcPct val="0"/>
+              </a:spcAft>
+              <a:defRPr>
+                <a:solidFill>
+                  <a:schemeClr val="tx1"/>
+                </a:solidFill>
+                <a:latin typeface="Arial" panose="020B0604020202020204" pitchFamily="34" charset="0"/>
+              </a:defRPr>
+            </a:lvl1pPr>
+            <a:lvl2pPr eaLnBrk="0" fontAlgn="base" hangingPunct="0">
+              <a:spcBef>
+                <a:spcPct val="0"/>
+              </a:spcBef>
+              <a:spcAft>
+                <a:spcPct val="0"/>
+              </a:spcAft>
+              <a:defRPr>
+                <a:solidFill>
+                  <a:schemeClr val="tx1"/>
+                </a:solidFill>
+                <a:latin typeface="Arial" panose="020B0604020202020204" pitchFamily="34" charset="0"/>
+              </a:defRPr>
+            </a:lvl2pPr>
+            <a:lvl3pPr eaLnBrk="0" fontAlgn="base" hangingPunct="0">
+              <a:spcBef>
+                <a:spcPct val="0"/>
+              </a:spcBef>
+              <a:spcAft>
+                <a:spcPct val="0"/>
+              </a:spcAft>
+              <a:defRPr>
+                <a:solidFill>
+                  <a:schemeClr val="tx1"/>
+                </a:solidFill>
+                <a:latin typeface="Arial" panose="020B0604020202020204" pitchFamily="34" charset="0"/>
+              </a:defRPr>
+            </a:lvl3pPr>
+            <a:lvl4pPr eaLnBrk="0" fontAlgn="base" hangingPunct="0">
+              <a:spcBef>
+                <a:spcPct val="0"/>
+              </a:spcBef>
+              <a:spcAft>
+                <a:spcPct val="0"/>
+              </a:spcAft>
+              <a:defRPr>
+                <a:solidFill>
+                  <a:schemeClr val="tx1"/>
+                </a:solidFill>
+                <a:latin typeface="Arial" panose="020B0604020202020204" pitchFamily="34" charset="0"/>
+              </a:defRPr>
+            </a:lvl4pPr>
+            <a:lvl5pPr eaLnBrk="0" fontAlgn="base" hangingPunct="0">
+              <a:spcBef>
+                <a:spcPct val="0"/>
+              </a:spcBef>
+              <a:spcAft>
+                <a:spcPct val="0"/>
+              </a:spcAft>
+              <a:defRPr>
+                <a:solidFill>
+                  <a:schemeClr val="tx1"/>
+                </a:solidFill>
+                <a:latin typeface="Arial" panose="020B0604020202020204" pitchFamily="34" charset="0"/>
+              </a:defRPr>
+            </a:lvl5pPr>
+            <a:lvl6pPr eaLnBrk="0" fontAlgn="base" hangingPunct="0">
+              <a:spcBef>
+                <a:spcPct val="0"/>
+              </a:spcBef>
+              <a:spcAft>
+                <a:spcPct val="0"/>
+              </a:spcAft>
+              <a:defRPr>
+                <a:solidFill>
+                  <a:schemeClr val="tx1"/>
+                </a:solidFill>
+                <a:latin typeface="Arial" panose="020B0604020202020204" pitchFamily="34" charset="0"/>
+              </a:defRPr>
+            </a:lvl6pPr>
+            <a:lvl7pPr eaLnBrk="0" fontAlgn="base" hangingPunct="0">
+              <a:spcBef>
+                <a:spcPct val="0"/>
+              </a:spcBef>
+              <a:spcAft>
+                <a:spcPct val="0"/>
+              </a:spcAft>
+              <a:defRPr>
+                <a:solidFill>
+                  <a:schemeClr val="tx1"/>
+                </a:solidFill>
+                <a:latin typeface="Arial" panose="020B0604020202020204" pitchFamily="34" charset="0"/>
+              </a:defRPr>
+            </a:lvl7pPr>
+            <a:lvl8pPr eaLnBrk="0" fontAlgn="base" hangingPunct="0">
+              <a:spcBef>
+                <a:spcPct val="0"/>
+              </a:spcBef>
+              <a:spcAft>
+                <a:spcPct val="0"/>
+              </a:spcAft>
+              <a:defRPr>
+                <a:solidFill>
+                  <a:schemeClr val="tx1"/>
+                </a:solidFill>
+                <a:latin typeface="Arial" panose="020B0604020202020204" pitchFamily="34" charset="0"/>
+              </a:defRPr>
+            </a:lvl8pPr>
+            <a:lvl9pPr eaLnBrk="0" fontAlgn="base" hangingPunct="0">
+              <a:spcBef>
+                <a:spcPct val="0"/>
+              </a:spcBef>
+              <a:spcAft>
+                <a:spcPct val="0"/>
+              </a:spcAft>
+              <a:defRPr>
+                <a:solidFill>
+                  <a:schemeClr val="tx1"/>
+                </a:solidFill>
+                <a:latin typeface="Arial" panose="020B0604020202020204" pitchFamily="34" charset="0"/>
+              </a:defRPr>
+            </a:lvl9pPr>
+          </a:lstStyle>
+          <a:p>
+            <a:pPr marL="0" marR="0" lvl="0" indent="0" algn="l" defTabSz="914400" rtl="0" eaLnBrk="0" fontAlgn="base" latinLnBrk="0" hangingPunct="0">
+              <a:lnSpc>
+                <a:spcPct val="100000"/>
+              </a:lnSpc>
+              <a:spcBef>
+                <a:spcPct val="0"/>
+              </a:spcBef>
+              <a:spcAft>
+                <a:spcPct val="0"/>
+              </a:spcAft>
+              <a:buClrTx/>
+              <a:buSzTx/>
+              <a:buFontTx/>
+              <a:buNone/>
+              <a:tabLst/>
+            </a:pPr>
+            <a:r>
+              <a:rPr kumimoji="0" lang="en-US" sz="1200" b="0" i="0" u="none" strike="noStrike" cap="none" normalizeH="0" baseline="0" dirty="0" smtClean="0">
+                <a:ln>
+                  <a:noFill/>
+                </a:ln>
+                <a:solidFill>
+                  <a:srgbClr val="333333"/>
+                </a:solidFill>
+                <a:effectLst/>
+                <a:latin typeface="Helvetica Neue"/>
+              </a:rPr>
+              <a:t/>
+            </a:r>
+            <a:br>
+              <a:rPr kumimoji="0" lang="en-US" sz="1200" b="0" i="0" u="none" strike="noStrike" cap="none" normalizeH="0" baseline="0" dirty="0" smtClean="0">
+                <a:ln>
+                  <a:noFill/>
+                </a:ln>
+                <a:solidFill>
+                  <a:srgbClr val="333333"/>
+                </a:solidFill>
+                <a:effectLst/>
+                <a:latin typeface="Helvetica Neue"/>
+              </a:rPr>
+            </a:br>
+            <a:endParaRPr kumimoji="0" lang="en-US" sz="1800" b="0" i="0" u="none" strike="noStrike" cap="none" normalizeH="0" baseline="0" dirty="0" smtClean="0">
+              <a:ln>
+                <a:noFill/>
+              </a:ln>
+              <a:solidFill>
+                <a:schemeClr val="tx1"/>
+              </a:solidFill>
+              <a:effectLst/>
+              <a:latin typeface="Arial" panose="020B0604020202020204" pitchFamily="34" charset="0"/>
+            </a:endParaRPr>
           </a:p>
         </p:txBody>
       </p:sp>
